--- a/Documentation/RTx_pp_presentation.pptx
+++ b/Documentation/RTx_pp_presentation.pptx
@@ -16774,7 +16774,6 @@
               <a:rPr lang="en-US" smtClean="0"/>
               <a:t>enclosure </a:t>
             </a:r>
-            <a:endParaRPr lang="en-US" smtClean="0"/>
           </a:p>
           <a:p>
             <a:r>
@@ -16783,11 +16782,7 @@
             </a:r>
             <a:r>
               <a:rPr lang="en-US" dirty="0" smtClean="0"/>
-              <a:t>capacitor footprint used so cap bank  needs to be </a:t>
-            </a:r>
-            <a:r>
-              <a:rPr lang="en-US" dirty="0" smtClean="0"/>
-              <a:t>reworked</a:t>
+              <a:t>capacitor footprint used so cap bank  needs to be reworked</a:t>
             </a:r>
           </a:p>
           <a:p>
@@ -16913,8 +16908,34 @@
           </a:p>
           <a:p>
             <a:r>
+              <a:rPr lang="en-US" dirty="0"/>
+              <a:t>H</a:t>
+            </a:r>
+            <a:r>
               <a:rPr lang="en-US" dirty="0" smtClean="0"/>
-              <a:t>Etc.</a:t>
+              <a:t>igh-latency </a:t>
+            </a:r>
+            <a:r>
+              <a:rPr lang="en-US" dirty="0"/>
+              <a:t>on the receiver end of Ethernet </a:t>
+            </a:r>
+            <a:r>
+              <a:rPr lang="en-US" dirty="0" smtClean="0"/>
+              <a:t>packets</a:t>
+            </a:r>
+          </a:p>
+          <a:p>
+            <a:r>
+              <a:rPr lang="en-US" dirty="0"/>
+              <a:t>SPI </a:t>
+            </a:r>
+            <a:r>
+              <a:rPr lang="en-US" dirty="0" err="1"/>
+              <a:t>config</a:t>
+            </a:r>
+            <a:r>
+              <a:rPr lang="en-US" dirty="0"/>
+              <a:t> and interrupt triggering</a:t>
             </a:r>
             <a:endParaRPr lang="en-US" dirty="0" smtClean="0"/>
           </a:p>
@@ -17079,13 +17100,8 @@
           <a:p>
             <a:r>
               <a:rPr lang="en-US" dirty="0" smtClean="0"/>
-              <a:t>Update board files to correct for issues </a:t>
+              <a:t>Update board files to correct for issues found</a:t>
             </a:r>
-            <a:r>
-              <a:rPr lang="en-US" dirty="0" smtClean="0"/>
-              <a:t>found</a:t>
-            </a:r>
-            <a:endParaRPr lang="en-US" dirty="0" smtClean="0"/>
           </a:p>
           <a:p>
             <a:r>
@@ -17096,11 +17112,7 @@
           <a:p>
             <a:r>
               <a:rPr lang="en-US" dirty="0" smtClean="0"/>
-              <a:t>Design and build payload </a:t>
-            </a:r>
-            <a:r>
-              <a:rPr lang="en-US" dirty="0" smtClean="0"/>
-              <a:t>connector</a:t>
+              <a:t>Design and build payload connector</a:t>
             </a:r>
           </a:p>
           <a:p>

--- a/Documentation/RTx_pp_presentation.pptx
+++ b/Documentation/RTx_pp_presentation.pptx
@@ -6,7 +6,7 @@
     <p:sldMasterId id="2147483824" r:id="rId2"/>
   </p:sldMasterIdLst>
   <p:notesMasterIdLst>
-    <p:notesMasterId r:id="rId22"/>
+    <p:notesMasterId r:id="rId23"/>
   </p:notesMasterIdLst>
   <p:sldIdLst>
     <p:sldId id="256" r:id="rId3"/>
@@ -19,15 +19,16 @@
     <p:sldId id="269" r:id="rId10"/>
     <p:sldId id="312" r:id="rId11"/>
     <p:sldId id="313" r:id="rId12"/>
-    <p:sldId id="314" r:id="rId13"/>
-    <p:sldId id="319" r:id="rId14"/>
-    <p:sldId id="295" r:id="rId15"/>
-    <p:sldId id="298" r:id="rId16"/>
-    <p:sldId id="317" r:id="rId17"/>
-    <p:sldId id="315" r:id="rId18"/>
-    <p:sldId id="316" r:id="rId19"/>
-    <p:sldId id="300" r:id="rId20"/>
-    <p:sldId id="320" r:id="rId21"/>
+    <p:sldId id="321" r:id="rId13"/>
+    <p:sldId id="314" r:id="rId14"/>
+    <p:sldId id="319" r:id="rId15"/>
+    <p:sldId id="295" r:id="rId16"/>
+    <p:sldId id="298" r:id="rId17"/>
+    <p:sldId id="317" r:id="rId18"/>
+    <p:sldId id="315" r:id="rId19"/>
+    <p:sldId id="316" r:id="rId20"/>
+    <p:sldId id="300" r:id="rId21"/>
+    <p:sldId id="320" r:id="rId22"/>
   </p:sldIdLst>
   <p:sldSz cx="9144000" cy="6858000" type="screen4x3"/>
   <p:notesSz cx="6858000" cy="9144000"/>
@@ -141,6 +142,7 @@
             <p14:sldId id="269"/>
             <p14:sldId id="312"/>
             <p14:sldId id="313"/>
+            <p14:sldId id="321"/>
             <p14:sldId id="314"/>
             <p14:sldId id="319"/>
             <p14:sldId id="295"/>
@@ -246,7 +248,7 @@
           <a:p>
             <a:fld id="{BC4E29DD-7CFE-4721-B5C7-AFE08E0EC0C1}" type="datetimeFigureOut">
               <a:rPr lang="en-US" smtClean="0"/>
-              <a:t>6/9/2014</a:t>
+              <a:t>6/10/2014</a:t>
             </a:fld>
             <a:endParaRPr lang="en-US"/>
           </a:p>
@@ -831,7 +833,7 @@
           <a:p>
             <a:fld id="{BCCC4196-136E-4BD3-BB7D-76AB8545C878}" type="slidenum">
               <a:rPr lang="en-US" smtClean="0"/>
-              <a:t>13</a:t>
+              <a:t>12</a:t>
             </a:fld>
             <a:endParaRPr lang="en-US"/>
           </a:p>
@@ -840,7 +842,7 @@
     </p:spTree>
     <p:extLst>
       <p:ext uri="{BB962C8B-B14F-4D97-AF65-F5344CB8AC3E}">
-        <p14:creationId xmlns:p14="http://schemas.microsoft.com/office/powerpoint/2010/main" val="297722199"/>
+        <p14:creationId xmlns:p14="http://schemas.microsoft.com/office/powerpoint/2010/main" val="1955700458"/>
       </p:ext>
     </p:extLst>
   </p:cSld>
@@ -924,7 +926,7 @@
     </p:spTree>
     <p:extLst>
       <p:ext uri="{BB962C8B-B14F-4D97-AF65-F5344CB8AC3E}">
-        <p14:creationId xmlns:p14="http://schemas.microsoft.com/office/powerpoint/2010/main" val="3055934403"/>
+        <p14:creationId xmlns:p14="http://schemas.microsoft.com/office/powerpoint/2010/main" val="297722199"/>
       </p:ext>
     </p:extLst>
   </p:cSld>
@@ -1092,7 +1094,7 @@
     </p:spTree>
     <p:extLst>
       <p:ext uri="{BB962C8B-B14F-4D97-AF65-F5344CB8AC3E}">
-        <p14:creationId xmlns:p14="http://schemas.microsoft.com/office/powerpoint/2010/main" val="297722199"/>
+        <p14:creationId xmlns:p14="http://schemas.microsoft.com/office/powerpoint/2010/main" val="3055934403"/>
       </p:ext>
     </p:extLst>
   </p:cSld>
@@ -1168,6 +1170,90 @@
             <a:fld id="{BCCC4196-136E-4BD3-BB7D-76AB8545C878}" type="slidenum">
               <a:rPr lang="en-US" smtClean="0"/>
               <a:t>17</a:t>
+            </a:fld>
+            <a:endParaRPr lang="en-US"/>
+          </a:p>
+        </p:txBody>
+      </p:sp>
+    </p:spTree>
+    <p:extLst>
+      <p:ext uri="{BB962C8B-B14F-4D97-AF65-F5344CB8AC3E}">
+        <p14:creationId xmlns:p14="http://schemas.microsoft.com/office/powerpoint/2010/main" val="297722199"/>
+      </p:ext>
+    </p:extLst>
+  </p:cSld>
+  <p:clrMapOvr>
+    <a:masterClrMapping/>
+  </p:clrMapOvr>
+</p:notes>
+</file>
+
+<file path=ppt/notesSlides/notesSlide17.xml><?xml version="1.0" encoding="utf-8"?>
+<p:notes xmlns:a="http://schemas.openxmlformats.org/drawingml/2006/main" xmlns:r="http://schemas.openxmlformats.org/officeDocument/2006/relationships" xmlns:p="http://schemas.openxmlformats.org/presentationml/2006/main">
+  <p:cSld>
+    <p:spTree>
+      <p:nvGrpSpPr>
+        <p:cNvPr id="1" name=""/>
+        <p:cNvGrpSpPr/>
+        <p:nvPr/>
+      </p:nvGrpSpPr>
+      <p:grpSpPr>
+        <a:xfrm>
+          <a:off x="0" y="0"/>
+          <a:ext cx="0" cy="0"/>
+          <a:chOff x="0" y="0"/>
+          <a:chExt cx="0" cy="0"/>
+        </a:xfrm>
+      </p:grpSpPr>
+      <p:sp>
+        <p:nvSpPr>
+          <p:cNvPr id="2" name="Slide Image Placeholder 1"/>
+          <p:cNvSpPr>
+            <a:spLocks noGrp="1" noRot="1" noChangeAspect="1"/>
+          </p:cNvSpPr>
+          <p:nvPr>
+            <p:ph type="sldImg"/>
+          </p:nvPr>
+        </p:nvSpPr>
+        <p:spPr/>
+      </p:sp>
+      <p:sp>
+        <p:nvSpPr>
+          <p:cNvPr id="3" name="Notes Placeholder 2"/>
+          <p:cNvSpPr>
+            <a:spLocks noGrp="1"/>
+          </p:cNvSpPr>
+          <p:nvPr>
+            <p:ph type="body" idx="1"/>
+          </p:nvPr>
+        </p:nvSpPr>
+        <p:spPr/>
+        <p:txBody>
+          <a:bodyPr/>
+          <a:lstStyle/>
+          <a:p>
+            <a:endParaRPr lang="en-US" dirty="0"/>
+          </a:p>
+        </p:txBody>
+      </p:sp>
+      <p:sp>
+        <p:nvSpPr>
+          <p:cNvPr id="4" name="Slide Number Placeholder 3"/>
+          <p:cNvSpPr>
+            <a:spLocks noGrp="1"/>
+          </p:cNvSpPr>
+          <p:nvPr>
+            <p:ph type="sldNum" sz="quarter" idx="10"/>
+          </p:nvPr>
+        </p:nvSpPr>
+        <p:spPr/>
+        <p:txBody>
+          <a:bodyPr/>
+          <a:lstStyle/>
+          <a:p>
+            <a:fld id="{BCCC4196-136E-4BD3-BB7D-76AB8545C878}" type="slidenum">
+              <a:rPr lang="en-US" smtClean="0"/>
+              <a:t>18</a:t>
             </a:fld>
             <a:endParaRPr lang="en-US"/>
           </a:p>
@@ -4659,7 +4745,7 @@
           <a:p>
             <a:fld id="{13A3EE04-EEA9-4B7B-8304-E12BB3C3A352}" type="datetimeFigureOut">
               <a:rPr lang="en-US" smtClean="0"/>
-              <a:t>6/9/2014</a:t>
+              <a:t>6/10/2014</a:t>
             </a:fld>
             <a:endParaRPr lang="en-US" dirty="0"/>
           </a:p>
@@ -5203,7 +5289,7 @@
           <a:p>
             <a:fld id="{4E30AF0B-E6FE-4FE2-8B40-AA942558F716}" type="datetimeFigureOut">
               <a:rPr lang="en-US" smtClean="0"/>
-              <a:t>6/9/2014</a:t>
+              <a:t>6/10/2014</a:t>
             </a:fld>
             <a:endParaRPr lang="en-US" dirty="0"/>
           </a:p>
@@ -5479,7 +5565,7 @@
           <a:p>
             <a:fld id="{4E30AF0B-E6FE-4FE2-8B40-AA942558F716}" type="datetimeFigureOut">
               <a:rPr lang="en-US" smtClean="0"/>
-              <a:t>6/9/2014</a:t>
+              <a:t>6/10/2014</a:t>
             </a:fld>
             <a:endParaRPr lang="en-US" dirty="0"/>
           </a:p>
@@ -5805,7 +5891,7 @@
           <a:p>
             <a:fld id="{4E30AF0B-E6FE-4FE2-8B40-AA942558F716}" type="datetimeFigureOut">
               <a:rPr lang="en-US" smtClean="0"/>
-              <a:t>6/9/2014</a:t>
+              <a:t>6/10/2014</a:t>
             </a:fld>
             <a:endParaRPr lang="en-US" dirty="0"/>
           </a:p>
@@ -6271,7 +6357,7 @@
           <a:p>
             <a:fld id="{4E30AF0B-E6FE-4FE2-8B40-AA942558F716}" type="datetimeFigureOut">
               <a:rPr lang="en-US" smtClean="0"/>
-              <a:t>6/9/2014</a:t>
+              <a:t>6/10/2014</a:t>
             </a:fld>
             <a:endParaRPr lang="en-US" dirty="0"/>
           </a:p>
@@ -6421,7 +6507,7 @@
           <a:p>
             <a:fld id="{4E30AF0B-E6FE-4FE2-8B40-AA942558F716}" type="datetimeFigureOut">
               <a:rPr lang="en-US" smtClean="0"/>
-              <a:t>6/9/2014</a:t>
+              <a:t>6/10/2014</a:t>
             </a:fld>
             <a:endParaRPr lang="en-US" dirty="0"/>
           </a:p>
@@ -6540,7 +6626,7 @@
           <a:p>
             <a:fld id="{4E30AF0B-E6FE-4FE2-8B40-AA942558F716}" type="datetimeFigureOut">
               <a:rPr lang="en-US" smtClean="0"/>
-              <a:t>6/9/2014</a:t>
+              <a:t>6/10/2014</a:t>
             </a:fld>
             <a:endParaRPr lang="en-US" dirty="0"/>
           </a:p>
@@ -6850,7 +6936,7 @@
           <a:p>
             <a:fld id="{4E30AF0B-E6FE-4FE2-8B40-AA942558F716}" type="datetimeFigureOut">
               <a:rPr lang="en-US" smtClean="0"/>
-              <a:t>6/9/2014</a:t>
+              <a:t>6/10/2014</a:t>
             </a:fld>
             <a:endParaRPr lang="en-US" dirty="0"/>
           </a:p>
@@ -7136,7 +7222,7 @@
           <a:p>
             <a:fld id="{4E30AF0B-E6FE-4FE2-8B40-AA942558F716}" type="datetimeFigureOut">
               <a:rPr lang="en-US" smtClean="0"/>
-              <a:t>6/9/2014</a:t>
+              <a:t>6/10/2014</a:t>
             </a:fld>
             <a:endParaRPr lang="en-US" dirty="0"/>
           </a:p>
@@ -7346,7 +7432,7 @@
           <a:p>
             <a:fld id="{4E30AF0B-E6FE-4FE2-8B40-AA942558F716}" type="datetimeFigureOut">
               <a:rPr lang="en-US" smtClean="0"/>
-              <a:t>6/9/2014</a:t>
+              <a:t>6/10/2014</a:t>
             </a:fld>
             <a:endParaRPr lang="en-US" dirty="0"/>
           </a:p>
@@ -7556,7 +7642,7 @@
           <a:p>
             <a:fld id="{4E30AF0B-E6FE-4FE2-8B40-AA942558F716}" type="datetimeFigureOut">
               <a:rPr lang="en-US" smtClean="0"/>
-              <a:t>6/9/2014</a:t>
+              <a:t>6/10/2014</a:t>
             </a:fld>
             <a:endParaRPr lang="en-US" dirty="0"/>
           </a:p>
@@ -7752,7 +7838,7 @@
           <a:p>
             <a:fld id="{13A3EE04-EEA9-4B7B-8304-E12BB3C3A352}" type="datetimeFigureOut">
               <a:rPr lang="en-US" smtClean="0"/>
-              <a:t>6/9/2014</a:t>
+              <a:t>6/10/2014</a:t>
             </a:fld>
             <a:endParaRPr lang="en-US" dirty="0"/>
           </a:p>
@@ -10883,7 +10969,7 @@
           <a:p>
             <a:fld id="{13A3EE04-EEA9-4B7B-8304-E12BB3C3A352}" type="datetimeFigureOut">
               <a:rPr lang="en-US" smtClean="0"/>
-              <a:t>6/9/2014</a:t>
+              <a:t>6/10/2014</a:t>
             </a:fld>
             <a:endParaRPr lang="en-US" dirty="0"/>
           </a:p>
@@ -11171,7 +11257,7 @@
           <a:p>
             <a:fld id="{13A3EE04-EEA9-4B7B-8304-E12BB3C3A352}" type="datetimeFigureOut">
               <a:rPr lang="en-US" smtClean="0"/>
-              <a:t>6/9/2014</a:t>
+              <a:t>6/10/2014</a:t>
             </a:fld>
             <a:endParaRPr lang="en-US" dirty="0"/>
           </a:p>
@@ -11593,7 +11679,7 @@
           <a:p>
             <a:fld id="{13A3EE04-EEA9-4B7B-8304-E12BB3C3A352}" type="datetimeFigureOut">
               <a:rPr lang="en-US" smtClean="0"/>
-              <a:t>6/9/2014</a:t>
+              <a:t>6/10/2014</a:t>
             </a:fld>
             <a:endParaRPr lang="en-US" dirty="0"/>
           </a:p>
@@ -11711,7 +11797,7 @@
           <a:p>
             <a:fld id="{13A3EE04-EEA9-4B7B-8304-E12BB3C3A352}" type="datetimeFigureOut">
               <a:rPr lang="en-US" smtClean="0"/>
-              <a:t>6/9/2014</a:t>
+              <a:t>6/10/2014</a:t>
             </a:fld>
             <a:endParaRPr lang="en-US" dirty="0"/>
           </a:p>
@@ -11801,7 +11887,7 @@
           <a:p>
             <a:fld id="{13A3EE04-EEA9-4B7B-8304-E12BB3C3A352}" type="datetimeFigureOut">
               <a:rPr lang="en-US" smtClean="0"/>
-              <a:t>6/9/2014</a:t>
+              <a:t>6/10/2014</a:t>
             </a:fld>
             <a:endParaRPr lang="en-US" dirty="0"/>
           </a:p>
@@ -14658,7 +14744,7 @@
           <a:p>
             <a:fld id="{13A3EE04-EEA9-4B7B-8304-E12BB3C3A352}" type="datetimeFigureOut">
               <a:rPr lang="en-US" smtClean="0"/>
-              <a:t>6/9/2014</a:t>
+              <a:t>6/10/2014</a:t>
             </a:fld>
             <a:endParaRPr lang="en-US" dirty="0"/>
           </a:p>
@@ -15269,7 +15355,7 @@
           <a:p>
             <a:fld id="{4E30AF0B-E6FE-4FE2-8B40-AA942558F716}" type="datetimeFigureOut">
               <a:rPr lang="en-US" smtClean="0"/>
-              <a:t>6/9/2014</a:t>
+              <a:t>6/10/2014</a:t>
             </a:fld>
             <a:endParaRPr lang="en-US" dirty="0"/>
           </a:p>
@@ -15549,7 +15635,7 @@
           <a:p>
             <a:fld id="{13A3EE04-EEA9-4B7B-8304-E12BB3C3A352}" type="datetimeFigureOut">
               <a:rPr lang="en-US" smtClean="0"/>
-              <a:t>6/9/2014</a:t>
+              <a:t>6/10/2014</a:t>
             </a:fld>
             <a:endParaRPr lang="en-US" dirty="0"/>
           </a:p>
@@ -16468,6 +16554,141 @@
         </p:nvSpPr>
         <p:spPr>
           <a:xfrm>
+            <a:off x="513188" y="351448"/>
+            <a:ext cx="8229600" cy="965277"/>
+          </a:xfrm>
+        </p:spPr>
+        <p:txBody>
+          <a:bodyPr>
+            <a:normAutofit fontScale="90000"/>
+          </a:bodyPr>
+          <a:lstStyle/>
+          <a:p>
+            <a:r>
+              <a:rPr lang="en-US" dirty="0" smtClean="0"/>
+              <a:t>Implementation: RTx Controller </a:t>
+            </a:r>
+            <a:r>
+              <a:rPr lang="en-US" dirty="0" smtClean="0">
+                <a:latin typeface="Calibri"/>
+              </a:rPr>
+              <a:t>Ethernet</a:t>
+            </a:r>
+            <a:r>
+              <a:rPr lang="en-US" dirty="0" smtClean="0"/>
+              <a:t> </a:t>
+            </a:r>
+            <a:r>
+              <a:rPr lang="en-US" dirty="0" smtClean="0"/>
+              <a:t>Circuitry</a:t>
+            </a:r>
+            <a:endParaRPr lang="en-US" dirty="0"/>
+          </a:p>
+        </p:txBody>
+      </p:sp>
+      <p:pic>
+        <p:nvPicPr>
+          <p:cNvPr id="1026" name="Picture 2"/>
+          <p:cNvPicPr>
+            <a:picLocks noChangeAspect="1" noChangeArrowheads="1"/>
+          </p:cNvPicPr>
+          <p:nvPr/>
+        </p:nvPicPr>
+        <p:blipFill>
+          <a:blip r:embed="rId3">
+            <a:extLst>
+              <a:ext uri="{28A0092B-C50C-407E-A947-70E740481C1C}">
+                <a14:useLocalDpi xmlns:a14="http://schemas.microsoft.com/office/drawing/2010/main" val="0"/>
+              </a:ext>
+            </a:extLst>
+          </a:blip>
+          <a:srcRect/>
+          <a:stretch>
+            <a:fillRect/>
+          </a:stretch>
+        </p:blipFill>
+        <p:spPr bwMode="auto">
+          <a:xfrm>
+            <a:off x="509922" y="1316725"/>
+            <a:ext cx="7966191" cy="5107865"/>
+          </a:xfrm>
+          <a:prstGeom prst="rect">
+            <a:avLst/>
+          </a:prstGeom>
+          <a:noFill/>
+          <a:ln>
+            <a:noFill/>
+          </a:ln>
+          <a:extLst>
+            <a:ext uri="{909E8E84-426E-40DD-AFC4-6F175D3DCCD1}">
+              <a14:hiddenFill xmlns:a14="http://schemas.microsoft.com/office/drawing/2010/main">
+                <a:solidFill>
+                  <a:schemeClr val="accent1"/>
+                </a:solidFill>
+              </a14:hiddenFill>
+            </a:ext>
+            <a:ext uri="{91240B29-F687-4F45-9708-019B960494DF}">
+              <a14:hiddenLine xmlns:a14="http://schemas.microsoft.com/office/drawing/2010/main" w="9525">
+                <a:solidFill>
+                  <a:schemeClr val="tx1"/>
+                </a:solidFill>
+                <a:miter lim="800000"/>
+                <a:headEnd/>
+                <a:tailEnd/>
+              </a14:hiddenLine>
+            </a:ext>
+          </a:extLst>
+        </p:spPr>
+      </p:pic>
+    </p:spTree>
+    <p:extLst>
+      <p:ext uri="{BB962C8B-B14F-4D97-AF65-F5344CB8AC3E}">
+        <p14:creationId xmlns:p14="http://schemas.microsoft.com/office/powerpoint/2010/main" val="2554653888"/>
+      </p:ext>
+    </p:extLst>
+  </p:cSld>
+  <p:clrMapOvr>
+    <a:masterClrMapping/>
+  </p:clrMapOvr>
+  <p:timing>
+    <p:tnLst>
+      <p:par>
+        <p:cTn id="1" dur="indefinite" restart="never" nodeType="tmRoot"/>
+      </p:par>
+    </p:tnLst>
+  </p:timing>
+</p:sld>
+</file>
+
+<file path=ppt/slides/slide12.xml><?xml version="1.0" encoding="utf-8"?>
+<p:sld xmlns:a="http://schemas.openxmlformats.org/drawingml/2006/main" xmlns:r="http://schemas.openxmlformats.org/officeDocument/2006/relationships" xmlns:p="http://schemas.openxmlformats.org/presentationml/2006/main">
+  <p:cSld>
+    <p:spTree>
+      <p:nvGrpSpPr>
+        <p:cNvPr id="1" name=""/>
+        <p:cNvGrpSpPr/>
+        <p:nvPr/>
+      </p:nvGrpSpPr>
+      <p:grpSpPr>
+        <a:xfrm>
+          <a:off x="0" y="0"/>
+          <a:ext cx="0" cy="0"/>
+          <a:chOff x="0" y="0"/>
+          <a:chExt cx="0" cy="0"/>
+        </a:xfrm>
+      </p:grpSpPr>
+      <p:sp>
+        <p:nvSpPr>
+          <p:cNvPr id="2" name="Title 1"/>
+          <p:cNvSpPr>
+            <a:spLocks noGrp="1"/>
+          </p:cNvSpPr>
+          <p:nvPr>
+            <p:ph type="title"/>
+          </p:nvPr>
+        </p:nvSpPr>
+        <p:spPr>
+          <a:xfrm>
             <a:off x="462665" y="7417"/>
             <a:ext cx="8229600" cy="965277"/>
           </a:xfrm>
@@ -16528,7 +16749,7 @@
 </p:sld>
 </file>
 
-<file path=ppt/slides/slide12.xml><?xml version="1.0" encoding="utf-8"?>
+<file path=ppt/slides/slide13.xml><?xml version="1.0" encoding="utf-8"?>
 <p:sld xmlns:a="http://schemas.openxmlformats.org/drawingml/2006/main" xmlns:r="http://schemas.openxmlformats.org/officeDocument/2006/relationships" xmlns:p="http://schemas.openxmlformats.org/presentationml/2006/main">
   <p:cSld>
     <p:spTree>
@@ -16645,7 +16866,7 @@
 </p:sld>
 </file>
 
-<file path=ppt/slides/slide13.xml><?xml version="1.0" encoding="utf-8"?>
+<file path=ppt/slides/slide14.xml><?xml version="1.0" encoding="utf-8"?>
 <p:sld xmlns:a="http://schemas.openxmlformats.org/drawingml/2006/main" xmlns:r="http://schemas.openxmlformats.org/officeDocument/2006/relationships" xmlns:p="http://schemas.openxmlformats.org/presentationml/2006/main">
   <p:cSld>
     <p:spTree>
@@ -16689,144 +16910,6 @@
     <p:extLst>
       <p:ext uri="{BB962C8B-B14F-4D97-AF65-F5344CB8AC3E}">
         <p14:creationId xmlns:p14="http://schemas.microsoft.com/office/powerpoint/2010/main" val="1904334474"/>
-      </p:ext>
-    </p:extLst>
-  </p:cSld>
-  <p:clrMapOvr>
-    <a:masterClrMapping/>
-  </p:clrMapOvr>
-  <p:timing>
-    <p:tnLst>
-      <p:par>
-        <p:cTn id="1" dur="indefinite" restart="never" nodeType="tmRoot"/>
-      </p:par>
-    </p:tnLst>
-  </p:timing>
-</p:sld>
-</file>
-
-<file path=ppt/slides/slide14.xml><?xml version="1.0" encoding="utf-8"?>
-<p:sld xmlns:a="http://schemas.openxmlformats.org/drawingml/2006/main" xmlns:r="http://schemas.openxmlformats.org/officeDocument/2006/relationships" xmlns:p="http://schemas.openxmlformats.org/presentationml/2006/main">
-  <p:cSld>
-    <p:spTree>
-      <p:nvGrpSpPr>
-        <p:cNvPr id="1" name=""/>
-        <p:cNvGrpSpPr/>
-        <p:nvPr/>
-      </p:nvGrpSpPr>
-      <p:grpSpPr>
-        <a:xfrm>
-          <a:off x="0" y="0"/>
-          <a:ext cx="0" cy="0"/>
-          <a:chOff x="0" y="0"/>
-          <a:chExt cx="0" cy="0"/>
-        </a:xfrm>
-      </p:grpSpPr>
-      <p:sp>
-        <p:nvSpPr>
-          <p:cNvPr id="2" name="Title 1"/>
-          <p:cNvSpPr>
-            <a:spLocks noGrp="1"/>
-          </p:cNvSpPr>
-          <p:nvPr>
-            <p:ph type="title"/>
-          </p:nvPr>
-        </p:nvSpPr>
-        <p:spPr/>
-        <p:txBody>
-          <a:bodyPr/>
-          <a:lstStyle/>
-          <a:p>
-            <a:r>
-              <a:rPr lang="en-US" dirty="0" smtClean="0"/>
-              <a:t>Issues Encountered: Hardware</a:t>
-            </a:r>
-            <a:endParaRPr lang="en-US" dirty="0"/>
-          </a:p>
-        </p:txBody>
-      </p:sp>
-      <p:sp>
-        <p:nvSpPr>
-          <p:cNvPr id="4" name="Content Placeholder 3"/>
-          <p:cNvSpPr>
-            <a:spLocks noGrp="1"/>
-          </p:cNvSpPr>
-          <p:nvPr>
-            <p:ph idx="1"/>
-          </p:nvPr>
-        </p:nvSpPr>
-        <p:spPr/>
-        <p:txBody>
-          <a:bodyPr/>
-          <a:lstStyle/>
-          <a:p>
-            <a:r>
-              <a:rPr lang="en-US" dirty="0" smtClean="0"/>
-              <a:t>USB connector case not properly grounded</a:t>
-            </a:r>
-          </a:p>
-          <a:p>
-            <a:r>
-              <a:rPr lang="en-US" dirty="0" smtClean="0"/>
-              <a:t>Relays’ cases needed to be connected to power and isolated from </a:t>
-            </a:r>
-            <a:r>
-              <a:rPr lang="en-US" smtClean="0"/>
-              <a:t>enclosure </a:t>
-            </a:r>
-          </a:p>
-          <a:p>
-            <a:r>
-              <a:rPr lang="en-US" smtClean="0"/>
-              <a:t>Wrong </a:t>
-            </a:r>
-            <a:r>
-              <a:rPr lang="en-US" dirty="0" smtClean="0"/>
-              <a:t>capacitor footprint used so cap bank  needs to be reworked</a:t>
-            </a:r>
-          </a:p>
-          <a:p>
-            <a:r>
-              <a:rPr lang="en-US" dirty="0" smtClean="0"/>
-              <a:t>Incorrect connector </a:t>
-            </a:r>
-            <a:r>
-              <a:rPr lang="en-US" dirty="0" err="1" smtClean="0"/>
-              <a:t>pinouts</a:t>
-            </a:r>
-            <a:r>
-              <a:rPr lang="en-US" dirty="0" smtClean="0"/>
-              <a:t> from motor driver boards to RTx controller</a:t>
-            </a:r>
-          </a:p>
-          <a:p>
-            <a:r>
-              <a:rPr lang="en-US" dirty="0" err="1" smtClean="0"/>
-              <a:t>PoE</a:t>
-            </a:r>
-            <a:r>
-              <a:rPr lang="en-US" dirty="0" smtClean="0"/>
-              <a:t> not performing at full potential</a:t>
-            </a:r>
-          </a:p>
-          <a:p>
-            <a:endParaRPr lang="en-US" dirty="0" smtClean="0"/>
-          </a:p>
-          <a:p>
-            <a:endParaRPr lang="en-US" dirty="0" smtClean="0"/>
-          </a:p>
-          <a:p>
-            <a:endParaRPr lang="en-US" dirty="0" smtClean="0"/>
-          </a:p>
-          <a:p>
-            <a:endParaRPr lang="en-US" dirty="0"/>
-          </a:p>
-        </p:txBody>
-      </p:sp>
-    </p:spTree>
-    <p:extLst>
-      <p:ext uri="{BB962C8B-B14F-4D97-AF65-F5344CB8AC3E}">
-        <p14:creationId xmlns:p14="http://schemas.microsoft.com/office/powerpoint/2010/main" val="4006847568"/>
       </p:ext>
     </p:extLst>
   </p:cSld>
@@ -16877,7 +16960,7 @@
           <a:p>
             <a:r>
               <a:rPr lang="en-US" dirty="0" smtClean="0"/>
-              <a:t>Issues Encountered: Software</a:t>
+              <a:t>Issues Encountered: Hardware</a:t>
             </a:r>
             <a:endParaRPr lang="en-US" dirty="0"/>
           </a:p>
@@ -16898,45 +16981,62 @@
           <a:bodyPr/>
           <a:lstStyle/>
           <a:p>
-            <a:endParaRPr lang="en-US" dirty="0" smtClean="0"/>
-          </a:p>
-          <a:p>
             <a:r>
               <a:rPr lang="en-US" dirty="0" smtClean="0"/>
-              <a:t>Ethernet message passing errors</a:t>
+              <a:t>USB connector case not properly grounded</a:t>
             </a:r>
           </a:p>
           <a:p>
             <a:r>
-              <a:rPr lang="en-US" dirty="0"/>
-              <a:t>H</a:t>
+              <a:rPr lang="en-US" dirty="0" smtClean="0"/>
+              <a:t>Relays’ cases needed to be connected to power and isolated from </a:t>
+            </a:r>
+            <a:r>
+              <a:rPr lang="en-US" smtClean="0"/>
+              <a:t>enclosure </a:t>
+            </a:r>
+          </a:p>
+          <a:p>
+            <a:r>
+              <a:rPr lang="en-US" smtClean="0"/>
+              <a:t>Wrong </a:t>
             </a:r>
             <a:r>
               <a:rPr lang="en-US" dirty="0" smtClean="0"/>
-              <a:t>igh-latency </a:t>
+              <a:t>capacitor footprint used so cap bank  needs to be reworked</a:t>
+            </a:r>
+          </a:p>
+          <a:p>
+            <a:r>
+              <a:rPr lang="en-US" dirty="0" smtClean="0"/>
+              <a:t>Incorrect connector </a:t>
             </a:r>
             <a:r>
-              <a:rPr lang="en-US" dirty="0"/>
-              <a:t>on the receiver end of Ethernet </a:t>
+              <a:rPr lang="en-US" dirty="0" err="1" smtClean="0"/>
+              <a:t>pinouts</a:t>
             </a:r>
             <a:r>
               <a:rPr lang="en-US" dirty="0" smtClean="0"/>
-              <a:t>packets</a:t>
+              <a:t> from motor driver boards to RTx controller</a:t>
             </a:r>
           </a:p>
           <a:p>
             <a:r>
-              <a:rPr lang="en-US" dirty="0"/>
-              <a:t>SPI </a:t>
+              <a:rPr lang="en-US" dirty="0" err="1" smtClean="0"/>
+              <a:t>PoE</a:t>
             </a:r>
             <a:r>
-              <a:rPr lang="en-US" dirty="0" err="1"/>
-              <a:t>config</a:t>
+              <a:rPr lang="en-US" dirty="0" smtClean="0"/>
+              <a:t> not performing at full potential</a:t>
             </a:r>
-            <a:r>
-              <a:rPr lang="en-US" dirty="0"/>
-              <a:t> and interrupt triggering</a:t>
-            </a:r>
+          </a:p>
+          <a:p>
+            <a:endParaRPr lang="en-US" dirty="0" smtClean="0"/>
+          </a:p>
+          <a:p>
+            <a:endParaRPr lang="en-US" dirty="0" smtClean="0"/>
+          </a:p>
+          <a:p>
             <a:endParaRPr lang="en-US" dirty="0" smtClean="0"/>
           </a:p>
           <a:p>
@@ -16947,7 +17047,7 @@
     </p:spTree>
     <p:extLst>
       <p:ext uri="{BB962C8B-B14F-4D97-AF65-F5344CB8AC3E}">
-        <p14:creationId xmlns:p14="http://schemas.microsoft.com/office/powerpoint/2010/main" val="2139722121"/>
+        <p14:creationId xmlns:p14="http://schemas.microsoft.com/office/powerpoint/2010/main" val="4006847568"/>
       </p:ext>
     </p:extLst>
   </p:cSld>
@@ -16983,6 +17083,127 @@
       </p:grpSpPr>
       <p:sp>
         <p:nvSpPr>
+          <p:cNvPr id="2" name="Title 1"/>
+          <p:cNvSpPr>
+            <a:spLocks noGrp="1"/>
+          </p:cNvSpPr>
+          <p:nvPr>
+            <p:ph type="title"/>
+          </p:nvPr>
+        </p:nvSpPr>
+        <p:spPr/>
+        <p:txBody>
+          <a:bodyPr/>
+          <a:lstStyle/>
+          <a:p>
+            <a:r>
+              <a:rPr lang="en-US" dirty="0" smtClean="0"/>
+              <a:t>Issues Encountered: Software</a:t>
+            </a:r>
+            <a:endParaRPr lang="en-US" dirty="0"/>
+          </a:p>
+        </p:txBody>
+      </p:sp>
+      <p:sp>
+        <p:nvSpPr>
+          <p:cNvPr id="4" name="Content Placeholder 3"/>
+          <p:cNvSpPr>
+            <a:spLocks noGrp="1"/>
+          </p:cNvSpPr>
+          <p:nvPr>
+            <p:ph idx="1"/>
+          </p:nvPr>
+        </p:nvSpPr>
+        <p:spPr/>
+        <p:txBody>
+          <a:bodyPr/>
+          <a:lstStyle/>
+          <a:p>
+            <a:endParaRPr lang="en-US" dirty="0" smtClean="0"/>
+          </a:p>
+          <a:p>
+            <a:r>
+              <a:rPr lang="en-US" dirty="0" smtClean="0"/>
+              <a:t>Ethernet message passing errors</a:t>
+            </a:r>
+          </a:p>
+          <a:p>
+            <a:r>
+              <a:rPr lang="en-US" dirty="0"/>
+              <a:t>H</a:t>
+            </a:r>
+            <a:r>
+              <a:rPr lang="en-US" dirty="0" smtClean="0"/>
+              <a:t>igh-latency </a:t>
+            </a:r>
+            <a:r>
+              <a:rPr lang="en-US" dirty="0"/>
+              <a:t>on the receiver end of Ethernet </a:t>
+            </a:r>
+            <a:r>
+              <a:rPr lang="en-US" dirty="0" smtClean="0"/>
+              <a:t>packets</a:t>
+            </a:r>
+          </a:p>
+          <a:p>
+            <a:r>
+              <a:rPr lang="en-US" dirty="0"/>
+              <a:t>SPI </a:t>
+            </a:r>
+            <a:r>
+              <a:rPr lang="en-US" dirty="0" err="1"/>
+              <a:t>config</a:t>
+            </a:r>
+            <a:r>
+              <a:rPr lang="en-US" dirty="0"/>
+              <a:t> and interrupt triggering</a:t>
+            </a:r>
+            <a:endParaRPr lang="en-US" dirty="0" smtClean="0"/>
+          </a:p>
+          <a:p>
+            <a:endParaRPr lang="en-US" dirty="0"/>
+          </a:p>
+        </p:txBody>
+      </p:sp>
+    </p:spTree>
+    <p:extLst>
+      <p:ext uri="{BB962C8B-B14F-4D97-AF65-F5344CB8AC3E}">
+        <p14:creationId xmlns:p14="http://schemas.microsoft.com/office/powerpoint/2010/main" val="2139722121"/>
+      </p:ext>
+    </p:extLst>
+  </p:cSld>
+  <p:clrMapOvr>
+    <a:masterClrMapping/>
+  </p:clrMapOvr>
+  <p:timing>
+    <p:tnLst>
+      <p:par>
+        <p:cTn id="1" dur="indefinite" restart="never" nodeType="tmRoot"/>
+      </p:par>
+    </p:tnLst>
+  </p:timing>
+</p:sld>
+</file>
+
+<file path=ppt/slides/slide17.xml><?xml version="1.0" encoding="utf-8"?>
+<p:sld xmlns:a="http://schemas.openxmlformats.org/drawingml/2006/main" xmlns:r="http://schemas.openxmlformats.org/officeDocument/2006/relationships" xmlns:p="http://schemas.openxmlformats.org/presentationml/2006/main">
+  <p:cSld>
+    <p:spTree>
+      <p:nvGrpSpPr>
+        <p:cNvPr id="1" name=""/>
+        <p:cNvGrpSpPr/>
+        <p:nvPr/>
+      </p:nvGrpSpPr>
+      <p:grpSpPr>
+        <a:xfrm>
+          <a:off x="0" y="0"/>
+          <a:ext cx="0" cy="0"/>
+          <a:chOff x="0" y="0"/>
+          <a:chExt cx="0" cy="0"/>
+        </a:xfrm>
+      </p:grpSpPr>
+      <p:sp>
+        <p:nvSpPr>
           <p:cNvPr id="4" name="Title 3"/>
           <p:cNvSpPr>
             <a:spLocks noGrp="1"/>
@@ -17026,7 +17247,7 @@
 </p:sld>
 </file>
 
-<file path=ppt/slides/slide17.xml><?xml version="1.0" encoding="utf-8"?>
+<file path=ppt/slides/slide18.xml><?xml version="1.0" encoding="utf-8"?>
 <p:sld xmlns:a="http://schemas.openxmlformats.org/drawingml/2006/main" xmlns:r="http://schemas.openxmlformats.org/officeDocument/2006/relationships" xmlns:p="http://schemas.openxmlformats.org/presentationml/2006/main">
   <p:cSld>
     <p:spTree>
@@ -17409,7 +17630,7 @@
 </p:sld>
 </file>
 
-<file path=ppt/slides/slide18.xml><?xml version="1.0" encoding="utf-8"?>
+<file path=ppt/slides/slide19.xml><?xml version="1.0" encoding="utf-8"?>
 <p:sld xmlns:a="http://schemas.openxmlformats.org/drawingml/2006/main" xmlns:r="http://schemas.openxmlformats.org/officeDocument/2006/relationships" xmlns:p="http://schemas.openxmlformats.org/presentationml/2006/main">
   <p:cSld>
     <p:spTree>
@@ -17460,68 +17681,6 @@
     <p:extLst>
       <p:ext uri="{BB962C8B-B14F-4D97-AF65-F5344CB8AC3E}">
         <p14:creationId xmlns:p14="http://schemas.microsoft.com/office/powerpoint/2010/main" val="1657715252"/>
-      </p:ext>
-    </p:extLst>
-  </p:cSld>
-  <p:clrMapOvr>
-    <a:masterClrMapping/>
-  </p:clrMapOvr>
-  <p:timing>
-    <p:tnLst>
-      <p:par>
-        <p:cTn id="1" dur="indefinite" restart="never" nodeType="tmRoot"/>
-      </p:par>
-    </p:tnLst>
-  </p:timing>
-</p:sld>
-</file>
-
-<file path=ppt/slides/slide19.xml><?xml version="1.0" encoding="utf-8"?>
-<p:sld xmlns:a="http://schemas.openxmlformats.org/drawingml/2006/main" xmlns:r="http://schemas.openxmlformats.org/officeDocument/2006/relationships" xmlns:p="http://schemas.openxmlformats.org/presentationml/2006/main">
-  <p:cSld>
-    <p:spTree>
-      <p:nvGrpSpPr>
-        <p:cNvPr id="1" name=""/>
-        <p:cNvGrpSpPr/>
-        <p:nvPr/>
-      </p:nvGrpSpPr>
-      <p:grpSpPr>
-        <a:xfrm>
-          <a:off x="0" y="0"/>
-          <a:ext cx="0" cy="0"/>
-          <a:chOff x="0" y="0"/>
-          <a:chExt cx="0" cy="0"/>
-        </a:xfrm>
-      </p:grpSpPr>
-      <p:sp>
-        <p:nvSpPr>
-          <p:cNvPr id="7" name="Title 6"/>
-          <p:cNvSpPr>
-            <a:spLocks noGrp="1"/>
-          </p:cNvSpPr>
-          <p:nvPr>
-            <p:ph type="ctrTitle"/>
-          </p:nvPr>
-        </p:nvSpPr>
-        <p:spPr/>
-        <p:txBody>
-          <a:bodyPr>
-            <a:normAutofit/>
-          </a:bodyPr>
-          <a:lstStyle/>
-          <a:p>
-            <a:r>
-              <a:rPr lang="en-US" sz="9600" dirty="0" smtClean="0"/>
-              <a:t>Q&amp;A</a:t>
-            </a:r>
-            <a:endParaRPr lang="en-US" sz="9600" dirty="0"/>
-          </a:p>
-        </p:txBody>
-      </p:sp>
-    </p:spTree>
-    <p:extLst>
-      <p:ext uri="{BB962C8B-B14F-4D97-AF65-F5344CB8AC3E}">
-        <p14:creationId xmlns:p14="http://schemas.microsoft.com/office/powerpoint/2010/main" val="2731252985"/>
       </p:ext>
     </p:extLst>
   </p:cSld>
@@ -17906,6 +18065,68 @@
     <p:extLst>
       <p:ext uri="{BB962C8B-B14F-4D97-AF65-F5344CB8AC3E}">
         <p14:creationId xmlns:p14="http://schemas.microsoft.com/office/powerpoint/2010/main" val="2981571342"/>
+      </p:ext>
+    </p:extLst>
+  </p:cSld>
+  <p:clrMapOvr>
+    <a:masterClrMapping/>
+  </p:clrMapOvr>
+  <p:timing>
+    <p:tnLst>
+      <p:par>
+        <p:cTn id="1" dur="indefinite" restart="never" nodeType="tmRoot"/>
+      </p:par>
+    </p:tnLst>
+  </p:timing>
+</p:sld>
+</file>
+
+<file path=ppt/slides/slide20.xml><?xml version="1.0" encoding="utf-8"?>
+<p:sld xmlns:a="http://schemas.openxmlformats.org/drawingml/2006/main" xmlns:r="http://schemas.openxmlformats.org/officeDocument/2006/relationships" xmlns:p="http://schemas.openxmlformats.org/presentationml/2006/main">
+  <p:cSld>
+    <p:spTree>
+      <p:nvGrpSpPr>
+        <p:cNvPr id="1" name=""/>
+        <p:cNvGrpSpPr/>
+        <p:nvPr/>
+      </p:nvGrpSpPr>
+      <p:grpSpPr>
+        <a:xfrm>
+          <a:off x="0" y="0"/>
+          <a:ext cx="0" cy="0"/>
+          <a:chOff x="0" y="0"/>
+          <a:chExt cx="0" cy="0"/>
+        </a:xfrm>
+      </p:grpSpPr>
+      <p:sp>
+        <p:nvSpPr>
+          <p:cNvPr id="7" name="Title 6"/>
+          <p:cNvSpPr>
+            <a:spLocks noGrp="1"/>
+          </p:cNvSpPr>
+          <p:nvPr>
+            <p:ph type="ctrTitle"/>
+          </p:nvPr>
+        </p:nvSpPr>
+        <p:spPr/>
+        <p:txBody>
+          <a:bodyPr>
+            <a:normAutofit/>
+          </a:bodyPr>
+          <a:lstStyle/>
+          <a:p>
+            <a:r>
+              <a:rPr lang="en-US" sz="9600" dirty="0" smtClean="0"/>
+              <a:t>Q&amp;A</a:t>
+            </a:r>
+            <a:endParaRPr lang="en-US" sz="9600" dirty="0"/>
+          </a:p>
+        </p:txBody>
+      </p:sp>
+    </p:spTree>
+    <p:extLst>
+      <p:ext uri="{BB962C8B-B14F-4D97-AF65-F5344CB8AC3E}">
+        <p14:creationId xmlns:p14="http://schemas.microsoft.com/office/powerpoint/2010/main" val="2731252985"/>
       </p:ext>
     </p:extLst>
   </p:cSld>

--- a/Documentation/RTx_pp_presentation.pptx
+++ b/Documentation/RTx_pp_presentation.pptx
@@ -6,7 +6,7 @@
     <p:sldMasterId id="2147483824" r:id="rId2"/>
   </p:sldMasterIdLst>
   <p:notesMasterIdLst>
-    <p:notesMasterId r:id="rId23"/>
+    <p:notesMasterId r:id="rId22"/>
   </p:notesMasterIdLst>
   <p:sldIdLst>
     <p:sldId id="256" r:id="rId3"/>
@@ -27,8 +27,7 @@
     <p:sldId id="317" r:id="rId18"/>
     <p:sldId id="315" r:id="rId19"/>
     <p:sldId id="316" r:id="rId20"/>
-    <p:sldId id="300" r:id="rId21"/>
-    <p:sldId id="320" r:id="rId22"/>
+    <p:sldId id="320" r:id="rId21"/>
   </p:sldIdLst>
   <p:sldSz cx="9144000" cy="6858000" type="screen4x3"/>
   <p:notesSz cx="6858000" cy="9144000"/>
@@ -150,7 +149,6 @@
             <p14:sldId id="317"/>
             <p14:sldId id="315"/>
             <p14:sldId id="316"/>
-            <p14:sldId id="300"/>
             <p14:sldId id="320"/>
           </p14:sldIdLst>
         </p14:section>
@@ -16576,11 +16574,7 @@
             </a:r>
             <a:r>
               <a:rPr lang="en-US" dirty="0" smtClean="0"/>
-              <a:t> </a:t>
-            </a:r>
-            <a:r>
-              <a:rPr lang="en-US" dirty="0" smtClean="0"/>
-              <a:t>Circuitry</a:t>
+              <a:t> Circuitry</a:t>
             </a:r>
             <a:endParaRPr lang="en-US" dirty="0"/>
           </a:p>
@@ -17659,28 +17653,23 @@
         </p:nvSpPr>
         <p:spPr/>
         <p:txBody>
-          <a:bodyPr/>
+          <a:bodyPr>
+            <a:normAutofit/>
+          </a:bodyPr>
           <a:lstStyle/>
           <a:p>
             <a:r>
-              <a:rPr lang="en-US" dirty="0" smtClean="0"/>
-              <a:t>RocketTracks</a:t>
+              <a:rPr lang="en-US" sz="9600" dirty="0" smtClean="0"/>
+              <a:t>Q&amp;A</a:t>
             </a:r>
-            <a:br>
-              <a:rPr lang="en-US" dirty="0" smtClean="0"/>
-            </a:br>
-            <a:r>
-              <a:rPr lang="en-US" dirty="0" smtClean="0"/>
-              <a:t>Project Presentation/Demo</a:t>
-            </a:r>
-            <a:endParaRPr lang="en-US" dirty="0"/>
+            <a:endParaRPr lang="en-US" sz="9600" dirty="0"/>
           </a:p>
         </p:txBody>
       </p:sp>
     </p:spTree>
     <p:extLst>
       <p:ext uri="{BB962C8B-B14F-4D97-AF65-F5344CB8AC3E}">
-        <p14:creationId xmlns:p14="http://schemas.microsoft.com/office/powerpoint/2010/main" val="1657715252"/>
+        <p14:creationId xmlns:p14="http://schemas.microsoft.com/office/powerpoint/2010/main" val="2731252985"/>
       </p:ext>
     </p:extLst>
   </p:cSld>
@@ -18065,68 +18054,6 @@
     <p:extLst>
       <p:ext uri="{BB962C8B-B14F-4D97-AF65-F5344CB8AC3E}">
         <p14:creationId xmlns:p14="http://schemas.microsoft.com/office/powerpoint/2010/main" val="2981571342"/>
-      </p:ext>
-    </p:extLst>
-  </p:cSld>
-  <p:clrMapOvr>
-    <a:masterClrMapping/>
-  </p:clrMapOvr>
-  <p:timing>
-    <p:tnLst>
-      <p:par>
-        <p:cTn id="1" dur="indefinite" restart="never" nodeType="tmRoot"/>
-      </p:par>
-    </p:tnLst>
-  </p:timing>
-</p:sld>
-</file>
-
-<file path=ppt/slides/slide20.xml><?xml version="1.0" encoding="utf-8"?>
-<p:sld xmlns:a="http://schemas.openxmlformats.org/drawingml/2006/main" xmlns:r="http://schemas.openxmlformats.org/officeDocument/2006/relationships" xmlns:p="http://schemas.openxmlformats.org/presentationml/2006/main">
-  <p:cSld>
-    <p:spTree>
-      <p:nvGrpSpPr>
-        <p:cNvPr id="1" name=""/>
-        <p:cNvGrpSpPr/>
-        <p:nvPr/>
-      </p:nvGrpSpPr>
-      <p:grpSpPr>
-        <a:xfrm>
-          <a:off x="0" y="0"/>
-          <a:ext cx="0" cy="0"/>
-          <a:chOff x="0" y="0"/>
-          <a:chExt cx="0" cy="0"/>
-        </a:xfrm>
-      </p:grpSpPr>
-      <p:sp>
-        <p:nvSpPr>
-          <p:cNvPr id="7" name="Title 6"/>
-          <p:cNvSpPr>
-            <a:spLocks noGrp="1"/>
-          </p:cNvSpPr>
-          <p:nvPr>
-            <p:ph type="ctrTitle"/>
-          </p:nvPr>
-        </p:nvSpPr>
-        <p:spPr/>
-        <p:txBody>
-          <a:bodyPr>
-            <a:normAutofit/>
-          </a:bodyPr>
-          <a:lstStyle/>
-          <a:p>
-            <a:r>
-              <a:rPr lang="en-US" sz="9600" dirty="0" smtClean="0"/>
-              <a:t>Q&amp;A</a:t>
-            </a:r>
-            <a:endParaRPr lang="en-US" sz="9600" dirty="0"/>
-          </a:p>
-        </p:txBody>
-      </p:sp>
-    </p:spTree>
-    <p:extLst>
-      <p:ext uri="{BB962C8B-B14F-4D97-AF65-F5344CB8AC3E}">
-        <p14:creationId xmlns:p14="http://schemas.microsoft.com/office/powerpoint/2010/main" val="2731252985"/>
       </p:ext>
     </p:extLst>
   </p:cSld>
